--- a/연습문제 풀이/연습문제 5장.pptx
+++ b/연습문제 풀이/연습문제 5장.pptx
@@ -2,7 +2,7 @@
 <file path=ppt/presentation.xml><?xml version="1.0" encoding="utf-8"?>
 <p:presentation xmlns:r="http://schemas.openxmlformats.org/officeDocument/2006/relationships" xmlns:c="http://schemas.openxmlformats.org/drawingml/2006/chart" xmlns:a="http://schemas.openxmlformats.org/drawingml/2006/main" xmlns:dgm="http://schemas.openxmlformats.org/drawingml/2006/diagram" xmlns:dsp="http://schemas.microsoft.com/office/drawing/2008/diagram" xmlns:p="http://schemas.openxmlformats.org/presentationml/2006/main">
   <p:sldMasterIdLst>
-    <p:sldMasterId id="2147483661" r:id="rId1"/>
+    <p:sldMasterId id="2147483667" r:id="rId1"/>
   </p:sldMasterIdLst>
   <p:notesMasterIdLst>
     <p:notesMasterId r:id="rId2"/>
@@ -19,10 +19,11 @@
     <p:sldId id="286" r:id="rId11"/>
     <p:sldId id="278" r:id="rId12"/>
     <p:sldId id="287" r:id="rId13"/>
-    <p:sldId id="288" r:id="rId14"/>
-    <p:sldId id="289" r:id="rId15"/>
-    <p:sldId id="290" r:id="rId16"/>
-    <p:sldId id="291" r:id="rId17"/>
+    <p:sldId id="292" r:id="rId14"/>
+    <p:sldId id="288" r:id="rId15"/>
+    <p:sldId id="289" r:id="rId16"/>
+    <p:sldId id="290" r:id="rId17"/>
+    <p:sldId id="291" r:id="rId18"/>
   </p:sldIdLst>
   <p:sldSz cx="12192000" cy="6858000"/>
   <p:notesSz cx="6858000" cy="9144000"/>
@@ -4453,7 +4454,7 @@
 </file>
 
 <file path=ppt/slides/slide11.xml><?xml version="1.0" encoding="utf-8"?>
-<p:sld xmlns:a="http://schemas.openxmlformats.org/drawingml/2006/main" xmlns:r="http://schemas.openxmlformats.org/officeDocument/2006/relationships" xmlns:p="http://schemas.openxmlformats.org/presentationml/2006/main">
+<p:sld xmlns:r="http://schemas.openxmlformats.org/officeDocument/2006/relationships" xmlns:c="http://schemas.openxmlformats.org/drawingml/2006/chart" xmlns:a="http://schemas.openxmlformats.org/drawingml/2006/main" xmlns:dgm="http://schemas.openxmlformats.org/drawingml/2006/diagram" xmlns:dsp="http://schemas.microsoft.com/office/drawing/2008/diagram" xmlns:p="http://schemas.openxmlformats.org/presentationml/2006/main">
   <p:cSld>
     <p:spTree>
       <p:nvGrpSpPr>
@@ -4496,7 +4497,7 @@
             <a:r>
               <a:rPr lang="en-US" altLang="en-US" sz="2800">
                 <a:solidFill>
-                  <a:srgbClr val="FFD700"/>
+                  <a:srgbClr val="ffd700"/>
                 </a:solidFill>
               </a:rPr>
               <a:t>result</a:t>
@@ -4508,7 +4509,7 @@
             <a:r>
               <a:rPr lang="en-US" altLang="ko-KR" sz="2800">
                 <a:solidFill>
-                  <a:srgbClr val="FFD700"/>
+                  <a:srgbClr val="ffd700"/>
                 </a:solidFill>
               </a:rPr>
               <a:t>i</a:t>
@@ -4532,7 +4533,7 @@
             <a:r>
               <a:rPr lang="en-US" altLang="en-US" sz="2800">
                 <a:solidFill>
-                  <a:srgbClr val="FFD700"/>
+                  <a:srgbClr val="ffd700"/>
                 </a:solidFill>
               </a:rPr>
               <a:t>star</a:t>
@@ -4544,7 +4545,7 @@
             <a:r>
               <a:rPr lang="en-US" altLang="ko-KR" sz="2800">
                 <a:solidFill>
-                  <a:srgbClr val="FFD700"/>
+                  <a:srgbClr val="ffd700"/>
                 </a:solidFill>
               </a:rPr>
               <a:t>4</a:t>
@@ -4565,6 +4566,7 @@
               <a:rPr lang="en-US" altLang="en-US" sz="2800"/>
               <a:t>]);</a:t>
             </a:r>
+            <a:endParaRPr lang="en-US" altLang="en-US" sz="2800"/>
           </a:p>
         </p:txBody>
       </p:sp>
@@ -4593,25 +4595,26 @@
               <a:defRPr/>
             </a:pPr>
             <a:r>
-              <a:rPr lang="en-US" altLang="ko-KR" sz="2400" b="1" dirty="0"/>
+              <a:rPr lang="en-US" altLang="ko-KR" sz="2400" b="1"/>
               <a:t>(0</a:t>
             </a:r>
             <a:r>
-              <a:rPr lang="ko-KR" altLang="en-US" sz="2400" b="1" dirty="0"/>
+              <a:rPr lang="ko-KR" altLang="en-US" sz="2400" b="1"/>
               <a:t> </a:t>
             </a:r>
             <a:r>
-              <a:rPr lang="en-US" altLang="ko-KR" sz="2400" b="1" dirty="0"/>
+              <a:rPr lang="en-US" altLang="ko-KR" sz="2400" b="1"/>
               <a:t>,</a:t>
             </a:r>
             <a:r>
-              <a:rPr lang="ko-KR" altLang="en-US" sz="2400" b="1" dirty="0"/>
+              <a:rPr lang="ko-KR" altLang="en-US" sz="2400" b="1"/>
               <a:t> </a:t>
             </a:r>
             <a:r>
-              <a:rPr lang="en-US" altLang="ko-KR" sz="2400" b="1" dirty="0"/>
+              <a:rPr lang="en-US" altLang="ko-KR" sz="2400" b="1"/>
               <a:t>0)</a:t>
             </a:r>
+            <a:endParaRPr lang="en-US" altLang="ko-KR" sz="2400" b="1"/>
           </a:p>
         </p:txBody>
       </p:sp>
@@ -4659,6 +4662,7 @@
               <a:rPr lang="en-US" altLang="ko-KR" sz="2400" b="1"/>
               <a:t>1)</a:t>
             </a:r>
+            <a:endParaRPr lang="en-US" altLang="ko-KR" sz="2400" b="1"/>
           </a:p>
         </p:txBody>
       </p:sp>
@@ -4687,25 +4691,50 @@
               <a:defRPr/>
             </a:pPr>
             <a:r>
-              <a:rPr lang="en-US" altLang="ko-KR" sz="2400" b="1"/>
+              <a:rPr lang="en-US" altLang="ko-KR" sz="2400" b="1">
+                <a:solidFill>
+                  <a:srgbClr val="0d0d0d"/>
+                </a:solidFill>
+              </a:rPr>
               <a:t>(0</a:t>
             </a:r>
             <a:r>
-              <a:rPr lang="ko-KR" altLang="en-US" sz="2400" b="1"/>
+              <a:rPr lang="ko-KR" altLang="en-US" sz="2400" b="1">
+                <a:solidFill>
+                  <a:srgbClr val="0d0d0d"/>
+                </a:solidFill>
+              </a:rPr>
               <a:t> </a:t>
             </a:r>
             <a:r>
-              <a:rPr lang="en-US" altLang="ko-KR" sz="2400" b="1"/>
+              <a:rPr lang="en-US" altLang="ko-KR" sz="2400" b="1">
+                <a:solidFill>
+                  <a:srgbClr val="0d0d0d"/>
+                </a:solidFill>
+              </a:rPr>
               <a:t>,</a:t>
             </a:r>
             <a:r>
-              <a:rPr lang="ko-KR" altLang="en-US" sz="2400" b="1"/>
+              <a:rPr lang="ko-KR" altLang="en-US" sz="2400" b="1">
+                <a:solidFill>
+                  <a:srgbClr val="0d0d0d"/>
+                </a:solidFill>
+              </a:rPr>
               <a:t> </a:t>
             </a:r>
             <a:r>
-              <a:rPr lang="en-US" altLang="ko-KR" sz="2400" b="1"/>
+              <a:rPr lang="en-US" altLang="ko-KR" sz="2400" b="1">
+                <a:solidFill>
+                  <a:srgbClr val="0d0d0d"/>
+                </a:solidFill>
+              </a:rPr>
               <a:t>2)</a:t>
             </a:r>
+            <a:endParaRPr lang="en-US" altLang="ko-KR" sz="2400" b="1">
+              <a:solidFill>
+                <a:srgbClr val="0d0d0d"/>
+              </a:solidFill>
+            </a:endParaRPr>
           </a:p>
         </p:txBody>
       </p:sp>
@@ -4734,25 +4763,50 @@
               <a:defRPr/>
             </a:pPr>
             <a:r>
-              <a:rPr lang="en-US" altLang="ko-KR" sz="2400" b="1"/>
+              <a:rPr lang="en-US" altLang="ko-KR" sz="2400" b="1">
+                <a:solidFill>
+                  <a:srgbClr val="0d0d0d"/>
+                </a:solidFill>
+              </a:rPr>
               <a:t>(0</a:t>
             </a:r>
             <a:r>
-              <a:rPr lang="ko-KR" altLang="en-US" sz="2400" b="1"/>
+              <a:rPr lang="ko-KR" altLang="en-US" sz="2400" b="1">
+                <a:solidFill>
+                  <a:srgbClr val="0d0d0d"/>
+                </a:solidFill>
+              </a:rPr>
               <a:t> </a:t>
             </a:r>
             <a:r>
-              <a:rPr lang="en-US" altLang="ko-KR" sz="2400" b="1"/>
+              <a:rPr lang="en-US" altLang="ko-KR" sz="2400" b="1">
+                <a:solidFill>
+                  <a:srgbClr val="0d0d0d"/>
+                </a:solidFill>
+              </a:rPr>
               <a:t>,</a:t>
             </a:r>
             <a:r>
-              <a:rPr lang="ko-KR" altLang="en-US" sz="2400" b="1"/>
+              <a:rPr lang="ko-KR" altLang="en-US" sz="2400" b="1">
+                <a:solidFill>
+                  <a:srgbClr val="0d0d0d"/>
+                </a:solidFill>
+              </a:rPr>
               <a:t> </a:t>
             </a:r>
             <a:r>
-              <a:rPr lang="en-US" altLang="ko-KR" sz="2400" b="1"/>
+              <a:rPr lang="en-US" altLang="ko-KR" sz="2400" b="1">
+                <a:solidFill>
+                  <a:srgbClr val="0d0d0d"/>
+                </a:solidFill>
+              </a:rPr>
               <a:t>3)</a:t>
             </a:r>
+            <a:endParaRPr lang="en-US" altLang="ko-KR" sz="2400" b="1">
+              <a:solidFill>
+                <a:srgbClr val="0d0d0d"/>
+              </a:solidFill>
+            </a:endParaRPr>
           </a:p>
         </p:txBody>
       </p:sp>
@@ -4781,25 +4835,50 @@
               <a:defRPr/>
             </a:pPr>
             <a:r>
-              <a:rPr lang="en-US" altLang="ko-KR" sz="2400" b="1"/>
+              <a:rPr lang="en-US" altLang="ko-KR" sz="2400" b="1">
+                <a:solidFill>
+                  <a:srgbClr val="0d0d0d"/>
+                </a:solidFill>
+              </a:rPr>
               <a:t>(0</a:t>
             </a:r>
             <a:r>
-              <a:rPr lang="ko-KR" altLang="en-US" sz="2400" b="1"/>
+              <a:rPr lang="ko-KR" altLang="en-US" sz="2400" b="1">
+                <a:solidFill>
+                  <a:srgbClr val="0d0d0d"/>
+                </a:solidFill>
+              </a:rPr>
               <a:t> </a:t>
             </a:r>
             <a:r>
-              <a:rPr lang="en-US" altLang="ko-KR" sz="2400" b="1"/>
+              <a:rPr lang="en-US" altLang="ko-KR" sz="2400" b="1">
+                <a:solidFill>
+                  <a:srgbClr val="0d0d0d"/>
+                </a:solidFill>
+              </a:rPr>
               <a:t>,</a:t>
             </a:r>
             <a:r>
-              <a:rPr lang="ko-KR" altLang="en-US" sz="2400" b="1"/>
+              <a:rPr lang="ko-KR" altLang="en-US" sz="2400" b="1">
+                <a:solidFill>
+                  <a:srgbClr val="0d0d0d"/>
+                </a:solidFill>
+              </a:rPr>
               <a:t> </a:t>
             </a:r>
             <a:r>
-              <a:rPr lang="en-US" altLang="ko-KR" sz="2400" b="1"/>
+              <a:rPr lang="en-US" altLang="ko-KR" sz="2400" b="1">
+                <a:solidFill>
+                  <a:srgbClr val="0d0d0d"/>
+                </a:solidFill>
+              </a:rPr>
               <a:t>4)</a:t>
             </a:r>
+            <a:endParaRPr lang="en-US" altLang="ko-KR" sz="2400" b="1">
+              <a:solidFill>
+                <a:srgbClr val="0d0d0d"/>
+              </a:solidFill>
+            </a:endParaRPr>
           </a:p>
         </p:txBody>
       </p:sp>
@@ -4847,6 +4926,7 @@
               <a:rPr lang="en-US" altLang="ko-KR" sz="2400" b="1"/>
               <a:t>0)</a:t>
             </a:r>
+            <a:endParaRPr lang="en-US" altLang="ko-KR" sz="2400" b="1"/>
           </a:p>
         </p:txBody>
       </p:sp>
@@ -4894,6 +4974,7 @@
               <a:rPr lang="en-US" altLang="ko-KR" sz="2400" b="1"/>
               <a:t>1)</a:t>
             </a:r>
+            <a:endParaRPr lang="en-US" altLang="ko-KR" sz="2400" b="1"/>
           </a:p>
         </p:txBody>
       </p:sp>
@@ -4922,25 +5003,50 @@
               <a:defRPr/>
             </a:pPr>
             <a:r>
-              <a:rPr lang="en-US" altLang="ko-KR" sz="2400" b="1"/>
+              <a:rPr lang="en-US" altLang="ko-KR" sz="2400" b="1">
+                <a:solidFill>
+                  <a:srgbClr val="0d0d0d"/>
+                </a:solidFill>
+              </a:rPr>
               <a:t>(1</a:t>
             </a:r>
             <a:r>
-              <a:rPr lang="ko-KR" altLang="en-US" sz="2400" b="1"/>
+              <a:rPr lang="ko-KR" altLang="en-US" sz="2400" b="1">
+                <a:solidFill>
+                  <a:srgbClr val="0d0d0d"/>
+                </a:solidFill>
+              </a:rPr>
               <a:t> </a:t>
             </a:r>
             <a:r>
-              <a:rPr lang="en-US" altLang="ko-KR" sz="2400" b="1"/>
+              <a:rPr lang="en-US" altLang="ko-KR" sz="2400" b="1">
+                <a:solidFill>
+                  <a:srgbClr val="0d0d0d"/>
+                </a:solidFill>
+              </a:rPr>
               <a:t>,</a:t>
             </a:r>
             <a:r>
-              <a:rPr lang="ko-KR" altLang="en-US" sz="2400" b="1"/>
+              <a:rPr lang="ko-KR" altLang="en-US" sz="2400" b="1">
+                <a:solidFill>
+                  <a:srgbClr val="0d0d0d"/>
+                </a:solidFill>
+              </a:rPr>
               <a:t> </a:t>
             </a:r>
             <a:r>
-              <a:rPr lang="en-US" altLang="ko-KR" sz="2400" b="1"/>
+              <a:rPr lang="en-US" altLang="ko-KR" sz="2400" b="1">
+                <a:solidFill>
+                  <a:srgbClr val="0d0d0d"/>
+                </a:solidFill>
+              </a:rPr>
               <a:t>2)</a:t>
             </a:r>
+            <a:endParaRPr lang="en-US" altLang="ko-KR" sz="2400" b="1">
+              <a:solidFill>
+                <a:srgbClr val="0d0d0d"/>
+              </a:solidFill>
+            </a:endParaRPr>
           </a:p>
         </p:txBody>
       </p:sp>
@@ -4969,25 +5075,50 @@
               <a:defRPr/>
             </a:pPr>
             <a:r>
-              <a:rPr lang="en-US" altLang="ko-KR" sz="2400" b="1"/>
+              <a:rPr lang="en-US" altLang="ko-KR" sz="2400" b="1">
+                <a:solidFill>
+                  <a:srgbClr val="0d0d0d"/>
+                </a:solidFill>
+              </a:rPr>
               <a:t>(1</a:t>
             </a:r>
             <a:r>
-              <a:rPr lang="ko-KR" altLang="en-US" sz="2400" b="1"/>
+              <a:rPr lang="ko-KR" altLang="en-US" sz="2400" b="1">
+                <a:solidFill>
+                  <a:srgbClr val="0d0d0d"/>
+                </a:solidFill>
+              </a:rPr>
               <a:t> </a:t>
             </a:r>
             <a:r>
-              <a:rPr lang="en-US" altLang="ko-KR" sz="2400" b="1"/>
+              <a:rPr lang="en-US" altLang="ko-KR" sz="2400" b="1">
+                <a:solidFill>
+                  <a:srgbClr val="0d0d0d"/>
+                </a:solidFill>
+              </a:rPr>
               <a:t>,</a:t>
             </a:r>
             <a:r>
-              <a:rPr lang="ko-KR" altLang="en-US" sz="2400" b="1"/>
+              <a:rPr lang="ko-KR" altLang="en-US" sz="2400" b="1">
+                <a:solidFill>
+                  <a:srgbClr val="0d0d0d"/>
+                </a:solidFill>
+              </a:rPr>
               <a:t> </a:t>
             </a:r>
             <a:r>
-              <a:rPr lang="en-US" altLang="ko-KR" sz="2400" b="1"/>
+              <a:rPr lang="en-US" altLang="ko-KR" sz="2400" b="1">
+                <a:solidFill>
+                  <a:srgbClr val="0d0d0d"/>
+                </a:solidFill>
+              </a:rPr>
               <a:t>3)</a:t>
             </a:r>
+            <a:endParaRPr lang="en-US" altLang="ko-KR" sz="2400" b="1">
+              <a:solidFill>
+                <a:srgbClr val="0d0d0d"/>
+              </a:solidFill>
+            </a:endParaRPr>
           </a:p>
         </p:txBody>
       </p:sp>
@@ -5016,25 +5147,50 @@
               <a:defRPr/>
             </a:pPr>
             <a:r>
-              <a:rPr lang="en-US" altLang="ko-KR" sz="2400" b="1"/>
+              <a:rPr lang="en-US" altLang="ko-KR" sz="2400" b="1">
+                <a:solidFill>
+                  <a:srgbClr val="0d0d0d"/>
+                </a:solidFill>
+              </a:rPr>
               <a:t>(1</a:t>
             </a:r>
             <a:r>
-              <a:rPr lang="ko-KR" altLang="en-US" sz="2400" b="1"/>
+              <a:rPr lang="ko-KR" altLang="en-US" sz="2400" b="1">
+                <a:solidFill>
+                  <a:srgbClr val="0d0d0d"/>
+                </a:solidFill>
+              </a:rPr>
               <a:t> </a:t>
             </a:r>
             <a:r>
-              <a:rPr lang="en-US" altLang="ko-KR" sz="2400" b="1"/>
+              <a:rPr lang="en-US" altLang="ko-KR" sz="2400" b="1">
+                <a:solidFill>
+                  <a:srgbClr val="0d0d0d"/>
+                </a:solidFill>
+              </a:rPr>
               <a:t>,</a:t>
             </a:r>
             <a:r>
-              <a:rPr lang="ko-KR" altLang="en-US" sz="2400" b="1"/>
+              <a:rPr lang="ko-KR" altLang="en-US" sz="2400" b="1">
+                <a:solidFill>
+                  <a:srgbClr val="0d0d0d"/>
+                </a:solidFill>
+              </a:rPr>
               <a:t> </a:t>
             </a:r>
             <a:r>
-              <a:rPr lang="en-US" altLang="ko-KR" sz="2400" b="1"/>
+              <a:rPr lang="en-US" altLang="ko-KR" sz="2400" b="1">
+                <a:solidFill>
+                  <a:srgbClr val="0d0d0d"/>
+                </a:solidFill>
+              </a:rPr>
               <a:t>4)</a:t>
             </a:r>
+            <a:endParaRPr lang="en-US" altLang="ko-KR" sz="2400" b="1">
+              <a:solidFill>
+                <a:srgbClr val="0d0d0d"/>
+              </a:solidFill>
+            </a:endParaRPr>
           </a:p>
         </p:txBody>
       </p:sp>
@@ -5082,6 +5238,7 @@
               <a:rPr lang="en-US" altLang="ko-KR" sz="2400" b="1"/>
               <a:t>0)</a:t>
             </a:r>
+            <a:endParaRPr lang="en-US" altLang="ko-KR" sz="2400" b="1"/>
           </a:p>
         </p:txBody>
       </p:sp>
@@ -5129,6 +5286,7 @@
               <a:rPr lang="en-US" altLang="ko-KR" sz="2400" b="1"/>
               <a:t>1)</a:t>
             </a:r>
+            <a:endParaRPr lang="en-US" altLang="ko-KR" sz="2400" b="1"/>
           </a:p>
         </p:txBody>
       </p:sp>
@@ -5176,6 +5334,7 @@
               <a:rPr lang="en-US" altLang="ko-KR" sz="2400" b="1"/>
               <a:t>2)</a:t>
             </a:r>
+            <a:endParaRPr lang="en-US" altLang="ko-KR" sz="2400" b="1"/>
           </a:p>
         </p:txBody>
       </p:sp>
@@ -5223,6 +5382,7 @@
               <a:rPr lang="en-US" altLang="ko-KR" sz="2400" b="1"/>
               <a:t>3)</a:t>
             </a:r>
+            <a:endParaRPr lang="en-US" altLang="ko-KR" sz="2400" b="1"/>
           </a:p>
         </p:txBody>
       </p:sp>
@@ -5270,6 +5430,7 @@
               <a:rPr lang="en-US" altLang="ko-KR" sz="2400" b="1"/>
               <a:t>4)</a:t>
             </a:r>
+            <a:endParaRPr lang="en-US" altLang="ko-KR" sz="2400" b="1"/>
           </a:p>
         </p:txBody>
       </p:sp>
@@ -5317,6 +5478,7 @@
               <a:rPr lang="en-US" altLang="ko-KR" sz="2400" b="1"/>
               <a:t>0)</a:t>
             </a:r>
+            <a:endParaRPr lang="en-US" altLang="ko-KR" sz="2400" b="1"/>
           </a:p>
         </p:txBody>
       </p:sp>
@@ -5364,6 +5526,7 @@
               <a:rPr lang="en-US" altLang="ko-KR" sz="2400" b="1"/>
               <a:t>1)</a:t>
             </a:r>
+            <a:endParaRPr lang="en-US" altLang="ko-KR" sz="2400" b="1"/>
           </a:p>
         </p:txBody>
       </p:sp>
@@ -5411,6 +5574,7 @@
               <a:rPr lang="en-US" altLang="ko-KR" sz="2400" b="1"/>
               <a:t>2)</a:t>
             </a:r>
+            <a:endParaRPr lang="en-US" altLang="ko-KR" sz="2400" b="1"/>
           </a:p>
         </p:txBody>
       </p:sp>
@@ -5458,6 +5622,7 @@
               <a:rPr lang="en-US" altLang="ko-KR" sz="2400" b="1"/>
               <a:t>3)</a:t>
             </a:r>
+            <a:endParaRPr lang="en-US" altLang="ko-KR" sz="2400" b="1"/>
           </a:p>
         </p:txBody>
       </p:sp>
@@ -5505,6 +5670,7 @@
               <a:rPr lang="en-US" altLang="ko-KR" sz="2400" b="1"/>
               <a:t>4)</a:t>
             </a:r>
+            <a:endParaRPr lang="en-US" altLang="ko-KR" sz="2400" b="1"/>
           </a:p>
         </p:txBody>
       </p:sp>
@@ -5513,11 +5679,11 @@
   <p:clrMapOvr>
     <a:masterClrMapping/>
   </p:clrMapOvr>
-  <mc:AlternateContent xmlns:mc="http://schemas.openxmlformats.org/markup-compatibility/2006" xmlns:p14="http://schemas.microsoft.com/office/powerpoint/2010/main">
-    <mc:Choice Requires="p14">
-      <p:transition/>
+  <mc:AlternateContent xmlns:mc="http://schemas.openxmlformats.org/markup-compatibility/2006">
+    <mc:Choice xmlns:p14="http://schemas.microsoft.com/office/powerpoint/2010/main" Requires="p14">
+      <p:transition xmlns:mc="http://schemas.openxmlformats.org/markup-compatibility/2006" xmlns:p14="http://schemas.microsoft.com/office/powerpoint/2010/main" mc:Ignorable="p14" p14:dur="500"/>
     </mc:Choice>
-    <mc:Fallback xmlns:dsp="http://schemas.microsoft.com/office/drawing/2008/diagram" xmlns:dgm="http://schemas.openxmlformats.org/drawingml/2006/diagram" xmlns:c="http://schemas.openxmlformats.org/drawingml/2006/chart" xmlns="">
+    <mc:Fallback>
       <p:transition/>
     </mc:Fallback>
   </mc:AlternateContent>
@@ -5525,6 +5691,1247 @@
 </file>
 
 <file path=ppt/slides/slide12.xml><?xml version="1.0" encoding="utf-8"?>
+<p:sld xmlns:r="http://schemas.openxmlformats.org/officeDocument/2006/relationships" xmlns:c="http://schemas.openxmlformats.org/drawingml/2006/chart" xmlns:a="http://schemas.openxmlformats.org/drawingml/2006/main" xmlns:dgm="http://schemas.openxmlformats.org/drawingml/2006/diagram" xmlns:dsp="http://schemas.microsoft.com/office/drawing/2008/diagram" xmlns:p="http://schemas.openxmlformats.org/presentationml/2006/main">
+  <p:cSld>
+    <p:spTree>
+      <p:nvGrpSpPr>
+        <p:cNvPr id="1" name=""/>
+        <p:cNvGrpSpPr/>
+        <p:nvPr/>
+      </p:nvGrpSpPr>
+      <p:grpSpPr>
+        <a:xfrm>
+          <a:off x="0" y="0"/>
+          <a:ext cx="0" cy="0"/>
+          <a:chOff x="0" y="0"/>
+          <a:chExt cx="0" cy="0"/>
+        </a:xfrm>
+      </p:grpSpPr>
+      <p:sp>
+        <p:nvSpPr>
+          <p:cNvPr id="4" name="TextBox 4"/>
+          <p:cNvSpPr txBox="1"/>
+          <p:nvPr/>
+        </p:nvSpPr>
+        <p:spPr>
+          <a:xfrm>
+            <a:off x="2968624" y="212769"/>
+            <a:ext cx="6254750" cy="518751"/>
+          </a:xfrm>
+          <a:prstGeom prst="rect">
+            <a:avLst/>
+          </a:prstGeom>
+        </p:spPr>
+        <p:txBody>
+          <a:bodyPr wrap="square">
+            <a:spAutoFit/>
+          </a:bodyPr>
+          <a:lstStyle/>
+          <a:p>
+            <a:pPr>
+              <a:defRPr/>
+            </a:pPr>
+            <a:r>
+              <a:rPr lang="en-US" altLang="en-US" sz="2800">
+                <a:solidFill>
+                  <a:srgbClr val="ffd700"/>
+                </a:solidFill>
+              </a:rPr>
+              <a:t>result</a:t>
+            </a:r>
+            <a:r>
+              <a:rPr lang="en-US" altLang="en-US" sz="2800"/>
+              <a:t>[</a:t>
+            </a:r>
+            <a:r>
+              <a:rPr lang="en-US" altLang="ko-KR" sz="2800">
+                <a:solidFill>
+                  <a:srgbClr val="ffd700"/>
+                </a:solidFill>
+              </a:rPr>
+              <a:t>j</a:t>
+            </a:r>
+            <a:r>
+              <a:rPr lang="en-US" altLang="en-US" sz="2800"/>
+              <a:t>][</a:t>
+            </a:r>
+            <a:r>
+              <a:rPr lang="en-US" altLang="ko-KR" sz="2800"/>
+              <a:t>3-</a:t>
+            </a:r>
+            <a:r>
+              <a:rPr lang="en-US" altLang="ko-KR" sz="2800">
+                <a:solidFill>
+                  <a:schemeClr val="accent4"/>
+                </a:solidFill>
+              </a:rPr>
+              <a:t>i</a:t>
+            </a:r>
+            <a:r>
+              <a:rPr lang="en-US" altLang="en-US" sz="2800"/>
+              <a:t>] =(</a:t>
+            </a:r>
+            <a:r>
+              <a:rPr lang="en-US" altLang="en-US" sz="2800">
+                <a:solidFill>
+                  <a:srgbClr val="ffd700"/>
+                </a:solidFill>
+              </a:rPr>
+              <a:t>star</a:t>
+            </a:r>
+            <a:r>
+              <a:rPr lang="en-US" altLang="en-US" sz="2800"/>
+              <a:t>[</a:t>
+            </a:r>
+            <a:r>
+              <a:rPr lang="en-US" altLang="ko-KR" sz="2800">
+                <a:solidFill>
+                  <a:srgbClr val="ffd700"/>
+                </a:solidFill>
+              </a:rPr>
+              <a:t>5</a:t>
+            </a:r>
+            <a:r>
+              <a:rPr lang="en-US" altLang="en-US" sz="2800"/>
+              <a:t>][</a:t>
+            </a:r>
+            <a:r>
+              <a:rPr lang="en-US" altLang="ko-KR" sz="2800">
+                <a:solidFill>
+                  <a:schemeClr val="accent4"/>
+                </a:solidFill>
+              </a:rPr>
+              <a:t>4</a:t>
+            </a:r>
+            <a:r>
+              <a:rPr lang="en-US" altLang="en-US" sz="2800"/>
+              <a:t>]);</a:t>
+            </a:r>
+            <a:endParaRPr lang="en-US" altLang="en-US" sz="2800"/>
+          </a:p>
+        </p:txBody>
+      </p:sp>
+      <p:sp>
+        <p:nvSpPr>
+          <p:cNvPr id="5" name="TextBox 4"/>
+          <p:cNvSpPr txBox="1"/>
+          <p:nvPr/>
+        </p:nvSpPr>
+        <p:spPr>
+          <a:xfrm>
+            <a:off x="7528183" y="1270256"/>
+            <a:ext cx="1201605" cy="451863"/>
+          </a:xfrm>
+          <a:prstGeom prst="rect">
+            <a:avLst/>
+          </a:prstGeom>
+        </p:spPr>
+        <p:txBody>
+          <a:bodyPr wrap="square">
+            <a:spAutoFit/>
+          </a:bodyPr>
+          <a:lstStyle/>
+          <a:p>
+            <a:pPr>
+              <a:defRPr/>
+            </a:pPr>
+            <a:r>
+              <a:rPr lang="en-US" altLang="ko-KR" sz="2400" b="1"/>
+              <a:t>(0</a:t>
+            </a:r>
+            <a:r>
+              <a:rPr lang="ko-KR" altLang="en-US" sz="2400" b="1"/>
+              <a:t> </a:t>
+            </a:r>
+            <a:r>
+              <a:rPr lang="en-US" altLang="ko-KR" sz="2400" b="1"/>
+              <a:t>,</a:t>
+            </a:r>
+            <a:r>
+              <a:rPr lang="ko-KR" altLang="en-US" sz="2400" b="1"/>
+              <a:t> </a:t>
+            </a:r>
+            <a:r>
+              <a:rPr lang="en-US" altLang="ko-KR" sz="2400" b="1"/>
+              <a:t>0)</a:t>
+            </a:r>
+            <a:endParaRPr lang="en-US" altLang="ko-KR" sz="2400" b="1"/>
+          </a:p>
+        </p:txBody>
+      </p:sp>
+      <p:sp>
+        <p:nvSpPr>
+          <p:cNvPr id="6" name="TextBox 5"/>
+          <p:cNvSpPr txBox="1"/>
+          <p:nvPr/>
+        </p:nvSpPr>
+        <p:spPr>
+          <a:xfrm>
+            <a:off x="5496745" y="1270257"/>
+            <a:ext cx="1194320" cy="451863"/>
+          </a:xfrm>
+          <a:prstGeom prst="rect">
+            <a:avLst/>
+          </a:prstGeom>
+        </p:spPr>
+        <p:txBody>
+          <a:bodyPr wrap="square">
+            <a:spAutoFit/>
+          </a:bodyPr>
+          <a:lstStyle/>
+          <a:p>
+            <a:pPr>
+              <a:defRPr/>
+            </a:pPr>
+            <a:r>
+              <a:rPr lang="en-US" altLang="ko-KR" sz="2400" b="1"/>
+              <a:t>(0</a:t>
+            </a:r>
+            <a:r>
+              <a:rPr lang="ko-KR" altLang="en-US" sz="2400" b="1"/>
+              <a:t> </a:t>
+            </a:r>
+            <a:r>
+              <a:rPr lang="en-US" altLang="ko-KR" sz="2400" b="1"/>
+              <a:t>,</a:t>
+            </a:r>
+            <a:r>
+              <a:rPr lang="ko-KR" altLang="en-US" sz="2400" b="1"/>
+              <a:t> </a:t>
+            </a:r>
+            <a:r>
+              <a:rPr lang="en-US" altLang="ko-KR" sz="2400" b="1"/>
+              <a:t>1)</a:t>
+            </a:r>
+            <a:endParaRPr lang="en-US" altLang="ko-KR" sz="2400" b="1"/>
+          </a:p>
+        </p:txBody>
+      </p:sp>
+      <p:sp>
+        <p:nvSpPr>
+          <p:cNvPr id="7" name="TextBox 6"/>
+          <p:cNvSpPr txBox="1"/>
+          <p:nvPr/>
+        </p:nvSpPr>
+        <p:spPr>
+          <a:xfrm>
+            <a:off x="3549599" y="1262915"/>
+            <a:ext cx="1394904" cy="451863"/>
+          </a:xfrm>
+          <a:prstGeom prst="rect">
+            <a:avLst/>
+          </a:prstGeom>
+        </p:spPr>
+        <p:txBody>
+          <a:bodyPr wrap="none">
+            <a:spAutoFit/>
+          </a:bodyPr>
+          <a:lstStyle/>
+          <a:p>
+            <a:pPr>
+              <a:defRPr/>
+            </a:pPr>
+            <a:r>
+              <a:rPr lang="en-US" altLang="ko-KR" sz="2400" b="1"/>
+              <a:t>(0</a:t>
+            </a:r>
+            <a:r>
+              <a:rPr lang="ko-KR" altLang="en-US" sz="2400" b="1"/>
+              <a:t> </a:t>
+            </a:r>
+            <a:r>
+              <a:rPr lang="en-US" altLang="ko-KR" sz="2400" b="1"/>
+              <a:t>,</a:t>
+            </a:r>
+            <a:r>
+              <a:rPr lang="ko-KR" altLang="en-US" sz="2400" b="1"/>
+              <a:t> </a:t>
+            </a:r>
+            <a:r>
+              <a:rPr lang="en-US" altLang="ko-KR" sz="2400" b="1"/>
+              <a:t>2)</a:t>
+            </a:r>
+            <a:endParaRPr lang="en-US" altLang="ko-KR" sz="2400" b="1"/>
+          </a:p>
+        </p:txBody>
+      </p:sp>
+      <p:sp>
+        <p:nvSpPr>
+          <p:cNvPr id="8" name="TextBox 7"/>
+          <p:cNvSpPr txBox="1"/>
+          <p:nvPr/>
+        </p:nvSpPr>
+        <p:spPr>
+          <a:xfrm>
+            <a:off x="1467586" y="1262916"/>
+            <a:ext cx="1198803" cy="451863"/>
+          </a:xfrm>
+          <a:prstGeom prst="rect">
+            <a:avLst/>
+          </a:prstGeom>
+        </p:spPr>
+        <p:txBody>
+          <a:bodyPr wrap="square">
+            <a:spAutoFit/>
+          </a:bodyPr>
+          <a:lstStyle/>
+          <a:p>
+            <a:pPr>
+              <a:defRPr/>
+            </a:pPr>
+            <a:r>
+              <a:rPr lang="en-US" altLang="ko-KR" sz="2400" b="1"/>
+              <a:t>(0</a:t>
+            </a:r>
+            <a:r>
+              <a:rPr lang="ko-KR" altLang="en-US" sz="2400" b="1"/>
+              <a:t> </a:t>
+            </a:r>
+            <a:r>
+              <a:rPr lang="en-US" altLang="ko-KR" sz="2400" b="1"/>
+              <a:t>,</a:t>
+            </a:r>
+            <a:r>
+              <a:rPr lang="ko-KR" altLang="en-US" sz="2400" b="1"/>
+              <a:t> </a:t>
+            </a:r>
+            <a:r>
+              <a:rPr lang="en-US" altLang="ko-KR" sz="2400" b="1"/>
+              <a:t>3)</a:t>
+            </a:r>
+            <a:endParaRPr lang="en-US" altLang="ko-KR" sz="2400" b="1"/>
+          </a:p>
+        </p:txBody>
+      </p:sp>
+      <p:sp>
+        <p:nvSpPr>
+          <p:cNvPr id="10" name="TextBox 9"/>
+          <p:cNvSpPr txBox="1"/>
+          <p:nvPr/>
+        </p:nvSpPr>
+        <p:spPr>
+          <a:xfrm>
+            <a:off x="7528183" y="2277229"/>
+            <a:ext cx="1201605" cy="445015"/>
+          </a:xfrm>
+          <a:prstGeom prst="rect">
+            <a:avLst/>
+          </a:prstGeom>
+        </p:spPr>
+        <p:txBody>
+          <a:bodyPr wrap="square">
+            <a:spAutoFit/>
+          </a:bodyPr>
+          <a:lstStyle/>
+          <a:p>
+            <a:pPr>
+              <a:defRPr/>
+            </a:pPr>
+            <a:r>
+              <a:rPr lang="en-US" altLang="ko-KR" sz="2400" b="1"/>
+              <a:t>(1</a:t>
+            </a:r>
+            <a:r>
+              <a:rPr lang="ko-KR" altLang="en-US" sz="2400" b="1"/>
+              <a:t> </a:t>
+            </a:r>
+            <a:r>
+              <a:rPr lang="en-US" altLang="ko-KR" sz="2400" b="1"/>
+              <a:t>,</a:t>
+            </a:r>
+            <a:r>
+              <a:rPr lang="ko-KR" altLang="en-US" sz="2400" b="1"/>
+              <a:t> </a:t>
+            </a:r>
+            <a:r>
+              <a:rPr lang="en-US" altLang="ko-KR" sz="2400" b="1"/>
+              <a:t>0)</a:t>
+            </a:r>
+            <a:endParaRPr lang="en-US" altLang="ko-KR" sz="2400" b="1"/>
+          </a:p>
+        </p:txBody>
+      </p:sp>
+      <p:sp>
+        <p:nvSpPr>
+          <p:cNvPr id="11" name="TextBox 10"/>
+          <p:cNvSpPr txBox="1"/>
+          <p:nvPr/>
+        </p:nvSpPr>
+        <p:spPr>
+          <a:xfrm>
+            <a:off x="5496744" y="2277230"/>
+            <a:ext cx="1194321" cy="445015"/>
+          </a:xfrm>
+          <a:prstGeom prst="rect">
+            <a:avLst/>
+          </a:prstGeom>
+        </p:spPr>
+        <p:txBody>
+          <a:bodyPr wrap="square">
+            <a:spAutoFit/>
+          </a:bodyPr>
+          <a:lstStyle/>
+          <a:p>
+            <a:pPr>
+              <a:defRPr/>
+            </a:pPr>
+            <a:r>
+              <a:rPr lang="en-US" altLang="ko-KR" sz="2400" b="1"/>
+              <a:t>(1</a:t>
+            </a:r>
+            <a:r>
+              <a:rPr lang="ko-KR" altLang="en-US" sz="2400" b="1"/>
+              <a:t> </a:t>
+            </a:r>
+            <a:r>
+              <a:rPr lang="en-US" altLang="ko-KR" sz="2400" b="1"/>
+              <a:t>,</a:t>
+            </a:r>
+            <a:r>
+              <a:rPr lang="ko-KR" altLang="en-US" sz="2400" b="1"/>
+              <a:t> </a:t>
+            </a:r>
+            <a:r>
+              <a:rPr lang="en-US" altLang="ko-KR" sz="2400" b="1"/>
+              <a:t>1)</a:t>
+            </a:r>
+            <a:endParaRPr lang="en-US" altLang="ko-KR" sz="2400" b="1"/>
+          </a:p>
+        </p:txBody>
+      </p:sp>
+      <p:sp>
+        <p:nvSpPr>
+          <p:cNvPr id="12" name="TextBox 11"/>
+          <p:cNvSpPr txBox="1"/>
+          <p:nvPr/>
+        </p:nvSpPr>
+        <p:spPr>
+          <a:xfrm>
+            <a:off x="3549598" y="2269889"/>
+            <a:ext cx="1394905" cy="445015"/>
+          </a:xfrm>
+          <a:prstGeom prst="rect">
+            <a:avLst/>
+          </a:prstGeom>
+        </p:spPr>
+        <p:txBody>
+          <a:bodyPr wrap="none">
+            <a:spAutoFit/>
+          </a:bodyPr>
+          <a:lstStyle/>
+          <a:p>
+            <a:pPr>
+              <a:defRPr/>
+            </a:pPr>
+            <a:r>
+              <a:rPr lang="en-US" altLang="ko-KR" sz="2400" b="1"/>
+              <a:t>(1</a:t>
+            </a:r>
+            <a:r>
+              <a:rPr lang="ko-KR" altLang="en-US" sz="2400" b="1"/>
+              <a:t> </a:t>
+            </a:r>
+            <a:r>
+              <a:rPr lang="en-US" altLang="ko-KR" sz="2400" b="1"/>
+              <a:t>,</a:t>
+            </a:r>
+            <a:r>
+              <a:rPr lang="ko-KR" altLang="en-US" sz="2400" b="1"/>
+              <a:t> </a:t>
+            </a:r>
+            <a:r>
+              <a:rPr lang="en-US" altLang="ko-KR" sz="2400" b="1"/>
+              <a:t>2)</a:t>
+            </a:r>
+            <a:endParaRPr lang="en-US" altLang="ko-KR" sz="2400" b="1"/>
+          </a:p>
+        </p:txBody>
+      </p:sp>
+      <p:sp>
+        <p:nvSpPr>
+          <p:cNvPr id="13" name="TextBox 12"/>
+          <p:cNvSpPr txBox="1"/>
+          <p:nvPr/>
+        </p:nvSpPr>
+        <p:spPr>
+          <a:xfrm>
+            <a:off x="1467585" y="2269889"/>
+            <a:ext cx="1198804" cy="445015"/>
+          </a:xfrm>
+          <a:prstGeom prst="rect">
+            <a:avLst/>
+          </a:prstGeom>
+        </p:spPr>
+        <p:txBody>
+          <a:bodyPr wrap="square">
+            <a:spAutoFit/>
+          </a:bodyPr>
+          <a:lstStyle/>
+          <a:p>
+            <a:pPr>
+              <a:defRPr/>
+            </a:pPr>
+            <a:r>
+              <a:rPr lang="en-US" altLang="ko-KR" sz="2400" b="1"/>
+              <a:t>(1</a:t>
+            </a:r>
+            <a:r>
+              <a:rPr lang="ko-KR" altLang="en-US" sz="2400" b="1"/>
+              <a:t> </a:t>
+            </a:r>
+            <a:r>
+              <a:rPr lang="en-US" altLang="ko-KR" sz="2400" b="1"/>
+              <a:t>,</a:t>
+            </a:r>
+            <a:r>
+              <a:rPr lang="ko-KR" altLang="en-US" sz="2400" b="1"/>
+              <a:t> </a:t>
+            </a:r>
+            <a:r>
+              <a:rPr lang="en-US" altLang="ko-KR" sz="2400" b="1"/>
+              <a:t>3)</a:t>
+            </a:r>
+            <a:endParaRPr lang="en-US" altLang="ko-KR" sz="2400" b="1"/>
+          </a:p>
+        </p:txBody>
+      </p:sp>
+      <p:sp>
+        <p:nvSpPr>
+          <p:cNvPr id="15" name="TextBox 14"/>
+          <p:cNvSpPr txBox="1"/>
+          <p:nvPr/>
+        </p:nvSpPr>
+        <p:spPr>
+          <a:xfrm>
+            <a:off x="7518658" y="3341342"/>
+            <a:ext cx="1201604" cy="447702"/>
+          </a:xfrm>
+          <a:prstGeom prst="rect">
+            <a:avLst/>
+          </a:prstGeom>
+        </p:spPr>
+        <p:txBody>
+          <a:bodyPr wrap="square">
+            <a:spAutoFit/>
+          </a:bodyPr>
+          <a:lstStyle/>
+          <a:p>
+            <a:pPr>
+              <a:defRPr/>
+            </a:pPr>
+            <a:r>
+              <a:rPr lang="en-US" altLang="ko-KR" sz="2400" b="1">
+                <a:solidFill>
+                  <a:srgbClr val="0d0d0d"/>
+                </a:solidFill>
+              </a:rPr>
+              <a:t>(2</a:t>
+            </a:r>
+            <a:r>
+              <a:rPr lang="ko-KR" altLang="en-US" sz="2400" b="1">
+                <a:solidFill>
+                  <a:srgbClr val="0d0d0d"/>
+                </a:solidFill>
+              </a:rPr>
+              <a:t> </a:t>
+            </a:r>
+            <a:r>
+              <a:rPr lang="en-US" altLang="ko-KR" sz="2400" b="1">
+                <a:solidFill>
+                  <a:srgbClr val="0d0d0d"/>
+                </a:solidFill>
+              </a:rPr>
+              <a:t>,</a:t>
+            </a:r>
+            <a:r>
+              <a:rPr lang="ko-KR" altLang="en-US" sz="2400" b="1">
+                <a:solidFill>
+                  <a:srgbClr val="0d0d0d"/>
+                </a:solidFill>
+              </a:rPr>
+              <a:t> </a:t>
+            </a:r>
+            <a:r>
+              <a:rPr lang="en-US" altLang="ko-KR" sz="2400" b="1">
+                <a:solidFill>
+                  <a:srgbClr val="0d0d0d"/>
+                </a:solidFill>
+              </a:rPr>
+              <a:t>0)</a:t>
+            </a:r>
+            <a:endParaRPr lang="en-US" altLang="ko-KR" sz="2400" b="1">
+              <a:solidFill>
+                <a:srgbClr val="0d0d0d"/>
+              </a:solidFill>
+            </a:endParaRPr>
+          </a:p>
+        </p:txBody>
+      </p:sp>
+      <p:sp>
+        <p:nvSpPr>
+          <p:cNvPr id="16" name="TextBox 15"/>
+          <p:cNvSpPr txBox="1"/>
+          <p:nvPr/>
+        </p:nvSpPr>
+        <p:spPr>
+          <a:xfrm>
+            <a:off x="5487219" y="3341343"/>
+            <a:ext cx="1194320" cy="447702"/>
+          </a:xfrm>
+          <a:prstGeom prst="rect">
+            <a:avLst/>
+          </a:prstGeom>
+        </p:spPr>
+        <p:txBody>
+          <a:bodyPr wrap="square">
+            <a:spAutoFit/>
+          </a:bodyPr>
+          <a:lstStyle/>
+          <a:p>
+            <a:pPr>
+              <a:defRPr/>
+            </a:pPr>
+            <a:r>
+              <a:rPr lang="en-US" altLang="ko-KR" sz="2400" b="1">
+                <a:solidFill>
+                  <a:srgbClr val="0d0d0d"/>
+                </a:solidFill>
+              </a:rPr>
+              <a:t>(2</a:t>
+            </a:r>
+            <a:r>
+              <a:rPr lang="ko-KR" altLang="en-US" sz="2400" b="1">
+                <a:solidFill>
+                  <a:srgbClr val="0d0d0d"/>
+                </a:solidFill>
+              </a:rPr>
+              <a:t> </a:t>
+            </a:r>
+            <a:r>
+              <a:rPr lang="en-US" altLang="ko-KR" sz="2400" b="1">
+                <a:solidFill>
+                  <a:srgbClr val="0d0d0d"/>
+                </a:solidFill>
+              </a:rPr>
+              <a:t>,</a:t>
+            </a:r>
+            <a:r>
+              <a:rPr lang="ko-KR" altLang="en-US" sz="2400" b="1">
+                <a:solidFill>
+                  <a:srgbClr val="0d0d0d"/>
+                </a:solidFill>
+              </a:rPr>
+              <a:t> </a:t>
+            </a:r>
+            <a:r>
+              <a:rPr lang="en-US" altLang="ko-KR" sz="2400" b="1">
+                <a:solidFill>
+                  <a:srgbClr val="0d0d0d"/>
+                </a:solidFill>
+              </a:rPr>
+              <a:t>1)</a:t>
+            </a:r>
+            <a:endParaRPr lang="en-US" altLang="ko-KR" sz="2400" b="1">
+              <a:solidFill>
+                <a:srgbClr val="0d0d0d"/>
+              </a:solidFill>
+            </a:endParaRPr>
+          </a:p>
+        </p:txBody>
+      </p:sp>
+      <p:sp>
+        <p:nvSpPr>
+          <p:cNvPr id="17" name="TextBox 16"/>
+          <p:cNvSpPr txBox="1"/>
+          <p:nvPr/>
+        </p:nvSpPr>
+        <p:spPr>
+          <a:xfrm>
+            <a:off x="3549599" y="3334002"/>
+            <a:ext cx="1394904" cy="447702"/>
+          </a:xfrm>
+          <a:prstGeom prst="rect">
+            <a:avLst/>
+          </a:prstGeom>
+        </p:spPr>
+        <p:txBody>
+          <a:bodyPr wrap="none">
+            <a:spAutoFit/>
+          </a:bodyPr>
+          <a:lstStyle/>
+          <a:p>
+            <a:pPr>
+              <a:defRPr/>
+            </a:pPr>
+            <a:r>
+              <a:rPr lang="en-US" altLang="ko-KR" sz="2400" b="1"/>
+              <a:t>(2</a:t>
+            </a:r>
+            <a:r>
+              <a:rPr lang="ko-KR" altLang="en-US" sz="2400" b="1"/>
+              <a:t> </a:t>
+            </a:r>
+            <a:r>
+              <a:rPr lang="en-US" altLang="ko-KR" sz="2400" b="1"/>
+              <a:t>,</a:t>
+            </a:r>
+            <a:r>
+              <a:rPr lang="ko-KR" altLang="en-US" sz="2400" b="1"/>
+              <a:t> </a:t>
+            </a:r>
+            <a:r>
+              <a:rPr lang="en-US" altLang="ko-KR" sz="2400" b="1"/>
+              <a:t>2)</a:t>
+            </a:r>
+            <a:endParaRPr lang="en-US" altLang="ko-KR" sz="2400" b="1"/>
+          </a:p>
+        </p:txBody>
+      </p:sp>
+      <p:sp>
+        <p:nvSpPr>
+          <p:cNvPr id="18" name="TextBox 17"/>
+          <p:cNvSpPr txBox="1"/>
+          <p:nvPr/>
+        </p:nvSpPr>
+        <p:spPr>
+          <a:xfrm>
+            <a:off x="1467586" y="3334002"/>
+            <a:ext cx="1198803" cy="447702"/>
+          </a:xfrm>
+          <a:prstGeom prst="rect">
+            <a:avLst/>
+          </a:prstGeom>
+        </p:spPr>
+        <p:txBody>
+          <a:bodyPr wrap="square">
+            <a:spAutoFit/>
+          </a:bodyPr>
+          <a:lstStyle/>
+          <a:p>
+            <a:pPr>
+              <a:defRPr/>
+            </a:pPr>
+            <a:r>
+              <a:rPr lang="en-US" altLang="ko-KR" sz="2400" b="1"/>
+              <a:t>(2</a:t>
+            </a:r>
+            <a:r>
+              <a:rPr lang="ko-KR" altLang="en-US" sz="2400" b="1"/>
+              <a:t> </a:t>
+            </a:r>
+            <a:r>
+              <a:rPr lang="en-US" altLang="ko-KR" sz="2400" b="1"/>
+              <a:t>,</a:t>
+            </a:r>
+            <a:r>
+              <a:rPr lang="ko-KR" altLang="en-US" sz="2400" b="1"/>
+              <a:t> </a:t>
+            </a:r>
+            <a:r>
+              <a:rPr lang="en-US" altLang="ko-KR" sz="2400" b="1"/>
+              <a:t>3)</a:t>
+            </a:r>
+            <a:endParaRPr lang="en-US" altLang="ko-KR" sz="2400" b="1"/>
+          </a:p>
+        </p:txBody>
+      </p:sp>
+      <p:sp>
+        <p:nvSpPr>
+          <p:cNvPr id="20" name="TextBox 19"/>
+          <p:cNvSpPr txBox="1"/>
+          <p:nvPr/>
+        </p:nvSpPr>
+        <p:spPr>
+          <a:xfrm>
+            <a:off x="7518660" y="4352763"/>
+            <a:ext cx="1201603" cy="445931"/>
+          </a:xfrm>
+          <a:prstGeom prst="rect">
+            <a:avLst/>
+          </a:prstGeom>
+        </p:spPr>
+        <p:txBody>
+          <a:bodyPr wrap="square">
+            <a:spAutoFit/>
+          </a:bodyPr>
+          <a:lstStyle/>
+          <a:p>
+            <a:pPr>
+              <a:defRPr/>
+            </a:pPr>
+            <a:r>
+              <a:rPr lang="en-US" altLang="ko-KR" sz="2400" b="1">
+                <a:solidFill>
+                  <a:srgbClr val="0d0d0d"/>
+                </a:solidFill>
+              </a:rPr>
+              <a:t>(3</a:t>
+            </a:r>
+            <a:r>
+              <a:rPr lang="ko-KR" altLang="en-US" sz="2400" b="1">
+                <a:solidFill>
+                  <a:srgbClr val="0d0d0d"/>
+                </a:solidFill>
+              </a:rPr>
+              <a:t> </a:t>
+            </a:r>
+            <a:r>
+              <a:rPr lang="en-US" altLang="ko-KR" sz="2400" b="1">
+                <a:solidFill>
+                  <a:srgbClr val="0d0d0d"/>
+                </a:solidFill>
+              </a:rPr>
+              <a:t>,</a:t>
+            </a:r>
+            <a:r>
+              <a:rPr lang="ko-KR" altLang="en-US" sz="2400" b="1">
+                <a:solidFill>
+                  <a:srgbClr val="0d0d0d"/>
+                </a:solidFill>
+              </a:rPr>
+              <a:t> </a:t>
+            </a:r>
+            <a:r>
+              <a:rPr lang="en-US" altLang="ko-KR" sz="2400" b="1">
+                <a:solidFill>
+                  <a:srgbClr val="0d0d0d"/>
+                </a:solidFill>
+              </a:rPr>
+              <a:t>0)</a:t>
+            </a:r>
+            <a:endParaRPr lang="en-US" altLang="ko-KR" sz="2400" b="1">
+              <a:solidFill>
+                <a:srgbClr val="0d0d0d"/>
+              </a:solidFill>
+            </a:endParaRPr>
+          </a:p>
+        </p:txBody>
+      </p:sp>
+      <p:sp>
+        <p:nvSpPr>
+          <p:cNvPr id="21" name="TextBox 20"/>
+          <p:cNvSpPr txBox="1"/>
+          <p:nvPr/>
+        </p:nvSpPr>
+        <p:spPr>
+          <a:xfrm>
+            <a:off x="5487220" y="4352763"/>
+            <a:ext cx="1194320" cy="445932"/>
+          </a:xfrm>
+          <a:prstGeom prst="rect">
+            <a:avLst/>
+          </a:prstGeom>
+        </p:spPr>
+        <p:txBody>
+          <a:bodyPr wrap="square">
+            <a:spAutoFit/>
+          </a:bodyPr>
+          <a:lstStyle/>
+          <a:p>
+            <a:pPr>
+              <a:defRPr/>
+            </a:pPr>
+            <a:r>
+              <a:rPr lang="en-US" altLang="ko-KR" sz="2400" b="1">
+                <a:solidFill>
+                  <a:srgbClr val="0d0d0d"/>
+                </a:solidFill>
+              </a:rPr>
+              <a:t>(3</a:t>
+            </a:r>
+            <a:r>
+              <a:rPr lang="ko-KR" altLang="en-US" sz="2400" b="1">
+                <a:solidFill>
+                  <a:srgbClr val="0d0d0d"/>
+                </a:solidFill>
+              </a:rPr>
+              <a:t> </a:t>
+            </a:r>
+            <a:r>
+              <a:rPr lang="en-US" altLang="ko-KR" sz="2400" b="1">
+                <a:solidFill>
+                  <a:srgbClr val="0d0d0d"/>
+                </a:solidFill>
+              </a:rPr>
+              <a:t>,</a:t>
+            </a:r>
+            <a:r>
+              <a:rPr lang="ko-KR" altLang="en-US" sz="2400" b="1">
+                <a:solidFill>
+                  <a:srgbClr val="0d0d0d"/>
+                </a:solidFill>
+              </a:rPr>
+              <a:t> </a:t>
+            </a:r>
+            <a:r>
+              <a:rPr lang="en-US" altLang="ko-KR" sz="2400" b="1">
+                <a:solidFill>
+                  <a:srgbClr val="0d0d0d"/>
+                </a:solidFill>
+              </a:rPr>
+              <a:t>1)</a:t>
+            </a:r>
+            <a:endParaRPr lang="en-US" altLang="ko-KR" sz="2400" b="1">
+              <a:solidFill>
+                <a:srgbClr val="0d0d0d"/>
+              </a:solidFill>
+            </a:endParaRPr>
+          </a:p>
+        </p:txBody>
+      </p:sp>
+      <p:sp>
+        <p:nvSpPr>
+          <p:cNvPr id="22" name="TextBox 21"/>
+          <p:cNvSpPr txBox="1"/>
+          <p:nvPr/>
+        </p:nvSpPr>
+        <p:spPr>
+          <a:xfrm>
+            <a:off x="3549600" y="4345422"/>
+            <a:ext cx="1394903" cy="445932"/>
+          </a:xfrm>
+          <a:prstGeom prst="rect">
+            <a:avLst/>
+          </a:prstGeom>
+        </p:spPr>
+        <p:txBody>
+          <a:bodyPr wrap="none">
+            <a:spAutoFit/>
+          </a:bodyPr>
+          <a:lstStyle/>
+          <a:p>
+            <a:pPr>
+              <a:defRPr/>
+            </a:pPr>
+            <a:r>
+              <a:rPr lang="en-US" altLang="ko-KR" sz="2400" b="1"/>
+              <a:t>(3</a:t>
+            </a:r>
+            <a:r>
+              <a:rPr lang="ko-KR" altLang="en-US" sz="2400" b="1"/>
+              <a:t> </a:t>
+            </a:r>
+            <a:r>
+              <a:rPr lang="en-US" altLang="ko-KR" sz="2400" b="1"/>
+              <a:t>,</a:t>
+            </a:r>
+            <a:r>
+              <a:rPr lang="ko-KR" altLang="en-US" sz="2400" b="1"/>
+              <a:t> </a:t>
+            </a:r>
+            <a:r>
+              <a:rPr lang="en-US" altLang="ko-KR" sz="2400" b="1"/>
+              <a:t>2)</a:t>
+            </a:r>
+            <a:endParaRPr lang="en-US" altLang="ko-KR" sz="2400" b="1"/>
+          </a:p>
+        </p:txBody>
+      </p:sp>
+      <p:sp>
+        <p:nvSpPr>
+          <p:cNvPr id="23" name="TextBox 22"/>
+          <p:cNvSpPr txBox="1"/>
+          <p:nvPr/>
+        </p:nvSpPr>
+        <p:spPr>
+          <a:xfrm>
+            <a:off x="1467587" y="4345422"/>
+            <a:ext cx="1198803" cy="445932"/>
+          </a:xfrm>
+          <a:prstGeom prst="rect">
+            <a:avLst/>
+          </a:prstGeom>
+        </p:spPr>
+        <p:txBody>
+          <a:bodyPr wrap="square">
+            <a:spAutoFit/>
+          </a:bodyPr>
+          <a:lstStyle/>
+          <a:p>
+            <a:pPr>
+              <a:defRPr/>
+            </a:pPr>
+            <a:r>
+              <a:rPr lang="en-US" altLang="ko-KR" sz="2400" b="1"/>
+              <a:t>(3</a:t>
+            </a:r>
+            <a:r>
+              <a:rPr lang="ko-KR" altLang="en-US" sz="2400" b="1"/>
+              <a:t> </a:t>
+            </a:r>
+            <a:r>
+              <a:rPr lang="en-US" altLang="ko-KR" sz="2400" b="1"/>
+              <a:t>,</a:t>
+            </a:r>
+            <a:r>
+              <a:rPr lang="ko-KR" altLang="en-US" sz="2400" b="1"/>
+              <a:t> </a:t>
+            </a:r>
+            <a:r>
+              <a:rPr lang="en-US" altLang="ko-KR" sz="2400" b="1"/>
+              <a:t>3)</a:t>
+            </a:r>
+            <a:endParaRPr lang="en-US" altLang="ko-KR" sz="2400" b="1"/>
+          </a:p>
+        </p:txBody>
+      </p:sp>
+      <p:sp>
+        <p:nvSpPr>
+          <p:cNvPr id="29" name="TextBox 19"/>
+          <p:cNvSpPr txBox="1"/>
+          <p:nvPr/>
+        </p:nvSpPr>
+        <p:spPr>
+          <a:xfrm>
+            <a:off x="7508370" y="5279114"/>
+            <a:ext cx="1201603" cy="453030"/>
+          </a:xfrm>
+          <a:prstGeom prst="rect">
+            <a:avLst/>
+          </a:prstGeom>
+        </p:spPr>
+        <p:txBody>
+          <a:bodyPr wrap="square">
+            <a:spAutoFit/>
+          </a:bodyPr>
+          <a:lstStyle/>
+          <a:p>
+            <a:pPr>
+              <a:defRPr/>
+            </a:pPr>
+            <a:r>
+              <a:rPr lang="en-US" altLang="ko-KR" sz="2400" b="1">
+                <a:solidFill>
+                  <a:srgbClr val="0d0d0d"/>
+                </a:solidFill>
+              </a:rPr>
+              <a:t>(4</a:t>
+            </a:r>
+            <a:r>
+              <a:rPr lang="ko-KR" altLang="en-US" sz="2400" b="1">
+                <a:solidFill>
+                  <a:srgbClr val="0d0d0d"/>
+                </a:solidFill>
+              </a:rPr>
+              <a:t> </a:t>
+            </a:r>
+            <a:r>
+              <a:rPr lang="en-US" altLang="ko-KR" sz="2400" b="1">
+                <a:solidFill>
+                  <a:srgbClr val="0d0d0d"/>
+                </a:solidFill>
+              </a:rPr>
+              <a:t>,</a:t>
+            </a:r>
+            <a:r>
+              <a:rPr lang="ko-KR" altLang="en-US" sz="2400" b="1">
+                <a:solidFill>
+                  <a:srgbClr val="0d0d0d"/>
+                </a:solidFill>
+              </a:rPr>
+              <a:t> </a:t>
+            </a:r>
+            <a:r>
+              <a:rPr lang="en-US" altLang="ko-KR" sz="2400" b="1">
+                <a:solidFill>
+                  <a:srgbClr val="0d0d0d"/>
+                </a:solidFill>
+              </a:rPr>
+              <a:t>0)</a:t>
+            </a:r>
+            <a:endParaRPr lang="en-US" altLang="ko-KR" sz="2400" b="1">
+              <a:solidFill>
+                <a:srgbClr val="0d0d0d"/>
+              </a:solidFill>
+            </a:endParaRPr>
+          </a:p>
+        </p:txBody>
+      </p:sp>
+      <p:sp>
+        <p:nvSpPr>
+          <p:cNvPr id="30" name="TextBox 20"/>
+          <p:cNvSpPr txBox="1"/>
+          <p:nvPr/>
+        </p:nvSpPr>
+        <p:spPr>
+          <a:xfrm>
+            <a:off x="5476930" y="5279114"/>
+            <a:ext cx="1194320" cy="453031"/>
+          </a:xfrm>
+          <a:prstGeom prst="rect">
+            <a:avLst/>
+          </a:prstGeom>
+        </p:spPr>
+        <p:txBody>
+          <a:bodyPr wrap="square">
+            <a:spAutoFit/>
+          </a:bodyPr>
+          <a:lstStyle/>
+          <a:p>
+            <a:pPr>
+              <a:defRPr/>
+            </a:pPr>
+            <a:r>
+              <a:rPr lang="en-US" altLang="ko-KR" sz="2400" b="1">
+                <a:solidFill>
+                  <a:srgbClr val="0d0d0d"/>
+                </a:solidFill>
+              </a:rPr>
+              <a:t>(4</a:t>
+            </a:r>
+            <a:r>
+              <a:rPr lang="ko-KR" altLang="en-US" sz="2400" b="1">
+                <a:solidFill>
+                  <a:srgbClr val="0d0d0d"/>
+                </a:solidFill>
+              </a:rPr>
+              <a:t> </a:t>
+            </a:r>
+            <a:r>
+              <a:rPr lang="en-US" altLang="ko-KR" sz="2400" b="1">
+                <a:solidFill>
+                  <a:srgbClr val="0d0d0d"/>
+                </a:solidFill>
+              </a:rPr>
+              <a:t>,</a:t>
+            </a:r>
+            <a:r>
+              <a:rPr lang="ko-KR" altLang="en-US" sz="2400" b="1">
+                <a:solidFill>
+                  <a:srgbClr val="0d0d0d"/>
+                </a:solidFill>
+              </a:rPr>
+              <a:t> </a:t>
+            </a:r>
+            <a:r>
+              <a:rPr lang="en-US" altLang="ko-KR" sz="2400" b="1">
+                <a:solidFill>
+                  <a:srgbClr val="0d0d0d"/>
+                </a:solidFill>
+              </a:rPr>
+              <a:t>1)</a:t>
+            </a:r>
+            <a:endParaRPr lang="en-US" altLang="ko-KR" sz="2400" b="1">
+              <a:solidFill>
+                <a:srgbClr val="0d0d0d"/>
+              </a:solidFill>
+            </a:endParaRPr>
+          </a:p>
+        </p:txBody>
+      </p:sp>
+      <p:sp>
+        <p:nvSpPr>
+          <p:cNvPr id="31" name="TextBox 21"/>
+          <p:cNvSpPr txBox="1"/>
+          <p:nvPr/>
+        </p:nvSpPr>
+        <p:spPr>
+          <a:xfrm>
+            <a:off x="3539310" y="5271773"/>
+            <a:ext cx="1395668" cy="453031"/>
+          </a:xfrm>
+          <a:prstGeom prst="rect">
+            <a:avLst/>
+          </a:prstGeom>
+        </p:spPr>
+        <p:txBody>
+          <a:bodyPr wrap="none">
+            <a:spAutoFit/>
+          </a:bodyPr>
+          <a:lstStyle/>
+          <a:p>
+            <a:pPr>
+              <a:defRPr/>
+            </a:pPr>
+            <a:r>
+              <a:rPr lang="en-US" altLang="ko-KR" sz="2400" b="1"/>
+              <a:t>(4</a:t>
+            </a:r>
+            <a:r>
+              <a:rPr lang="ko-KR" altLang="en-US" sz="2400" b="1"/>
+              <a:t> </a:t>
+            </a:r>
+            <a:r>
+              <a:rPr lang="en-US" altLang="ko-KR" sz="2400" b="1"/>
+              <a:t>,</a:t>
+            </a:r>
+            <a:r>
+              <a:rPr lang="ko-KR" altLang="en-US" sz="2400" b="1"/>
+              <a:t> </a:t>
+            </a:r>
+            <a:r>
+              <a:rPr lang="en-US" altLang="ko-KR" sz="2400" b="1"/>
+              <a:t>2)</a:t>
+            </a:r>
+            <a:endParaRPr lang="en-US" altLang="ko-KR" sz="2400" b="1"/>
+          </a:p>
+        </p:txBody>
+      </p:sp>
+      <p:sp>
+        <p:nvSpPr>
+          <p:cNvPr id="32" name="TextBox 22"/>
+          <p:cNvSpPr txBox="1"/>
+          <p:nvPr/>
+        </p:nvSpPr>
+        <p:spPr>
+          <a:xfrm>
+            <a:off x="1457297" y="5271773"/>
+            <a:ext cx="1198803" cy="453031"/>
+          </a:xfrm>
+          <a:prstGeom prst="rect">
+            <a:avLst/>
+          </a:prstGeom>
+        </p:spPr>
+        <p:txBody>
+          <a:bodyPr wrap="square">
+            <a:spAutoFit/>
+          </a:bodyPr>
+          <a:lstStyle/>
+          <a:p>
+            <a:pPr>
+              <a:defRPr/>
+            </a:pPr>
+            <a:r>
+              <a:rPr lang="en-US" altLang="ko-KR" sz="2400" b="1"/>
+              <a:t>(4</a:t>
+            </a:r>
+            <a:r>
+              <a:rPr lang="ko-KR" altLang="en-US" sz="2400" b="1"/>
+              <a:t> </a:t>
+            </a:r>
+            <a:r>
+              <a:rPr lang="en-US" altLang="ko-KR" sz="2400" b="1"/>
+              <a:t>,</a:t>
+            </a:r>
+            <a:r>
+              <a:rPr lang="ko-KR" altLang="en-US" sz="2400" b="1"/>
+              <a:t> </a:t>
+            </a:r>
+            <a:r>
+              <a:rPr lang="en-US" altLang="ko-KR" sz="2400" b="1"/>
+              <a:t>3)</a:t>
+            </a:r>
+            <a:endParaRPr lang="en-US" altLang="ko-KR" sz="2400" b="1"/>
+          </a:p>
+        </p:txBody>
+      </p:sp>
+    </p:spTree>
+  </p:cSld>
+  <p:clrMapOvr>
+    <a:masterClrMapping/>
+  </p:clrMapOvr>
+  <mc:AlternateContent xmlns:mc="http://schemas.openxmlformats.org/markup-compatibility/2006">
+    <mc:Choice xmlns:p14="http://schemas.microsoft.com/office/powerpoint/2010/main" Requires="p14">
+      <p:transition xmlns:mc="http://schemas.openxmlformats.org/markup-compatibility/2006" xmlns:p14="http://schemas.microsoft.com/office/powerpoint/2010/main" mc:Ignorable="p14" p14:dur="500"/>
+    </mc:Choice>
+    <mc:Fallback>
+      <p:transition/>
+    </mc:Fallback>
+  </mc:AlternateContent>
+</p:sld>
+</file>
+
+<file path=ppt/slides/slide13.xml><?xml version="1.0" encoding="utf-8"?>
 <p:sld xmlns:a="http://schemas.openxmlformats.org/drawingml/2006/main" xmlns:r="http://schemas.openxmlformats.org/officeDocument/2006/relationships" xmlns:p="http://schemas.openxmlformats.org/presentationml/2006/main">
   <p:cSld>
     <p:spTree>
@@ -5606,367 +7013,6 @@
 </p:sld>
 </file>
 
-<file path=ppt/slides/slide13.xml><?xml version="1.0" encoding="utf-8"?>
-<p:sld xmlns:r="http://schemas.openxmlformats.org/officeDocument/2006/relationships" xmlns:c="http://schemas.openxmlformats.org/drawingml/2006/chart" xmlns:a="http://schemas.openxmlformats.org/drawingml/2006/main" xmlns:dgm="http://schemas.openxmlformats.org/drawingml/2006/diagram" xmlns:dsp="http://schemas.microsoft.com/office/drawing/2008/diagram" xmlns:p="http://schemas.openxmlformats.org/presentationml/2006/main">
-  <p:cSld>
-    <p:spTree>
-      <p:nvGrpSpPr>
-        <p:cNvPr id="1" name=""/>
-        <p:cNvGrpSpPr/>
-        <p:nvPr/>
-      </p:nvGrpSpPr>
-      <p:grpSpPr>
-        <a:xfrm>
-          <a:off x="0" y="0"/>
-          <a:ext cx="0" cy="0"/>
-          <a:chOff x="0" y="0"/>
-          <a:chExt cx="0" cy="0"/>
-        </a:xfrm>
-      </p:grpSpPr>
-      <p:sp>
-        <p:nvSpPr>
-          <p:cNvPr id="2" name="제목 1"/>
-          <p:cNvSpPr>
-            <a:spLocks noGrp="1"/>
-          </p:cNvSpPr>
-          <p:nvPr>
-            <p:ph type="title" idx="0"/>
-          </p:nvPr>
-        </p:nvSpPr>
-        <p:spPr/>
-        <p:txBody>
-          <a:bodyPr/>
-          <a:lstStyle/>
-          <a:p>
-            <a:pPr>
-              <a:defRPr/>
-            </a:pPr>
-            <a:r>
-              <a:rPr lang="en-US" altLang="ko-KR"/>
-              <a:t>5-11</a:t>
-            </a:r>
-            <a:endParaRPr lang="en-US" altLang="ko-KR"/>
-          </a:p>
-        </p:txBody>
-      </p:sp>
-      <p:pic>
-        <p:nvPicPr>
-          <p:cNvPr id="3" name=""/>
-          <p:cNvPicPr>
-            <a:picLocks noChangeAspect="1"/>
-          </p:cNvPicPr>
-          <p:nvPr/>
-        </p:nvPicPr>
-        <p:blipFill rotWithShape="1">
-          <a:blip r:embed="rId2"/>
-          <a:stretch>
-            <a:fillRect/>
-          </a:stretch>
-        </p:blipFill>
-        <p:spPr>
-          <a:xfrm>
-            <a:off x="422772" y="1587927"/>
-            <a:ext cx="7143360" cy="3682144"/>
-          </a:xfrm>
-          <a:prstGeom prst="rect">
-            <a:avLst/>
-          </a:prstGeom>
-        </p:spPr>
-      </p:pic>
-      <p:pic>
-        <p:nvPicPr>
-          <p:cNvPr id="4" name=""/>
-          <p:cNvPicPr>
-            <a:picLocks noChangeAspect="1"/>
-          </p:cNvPicPr>
-          <p:nvPr/>
-        </p:nvPicPr>
-        <p:blipFill rotWithShape="1">
-          <a:blip r:embed="rId3"/>
-          <a:stretch>
-            <a:fillRect/>
-          </a:stretch>
-        </p:blipFill>
-        <p:spPr>
-          <a:xfrm>
-            <a:off x="7705738" y="1890781"/>
-            <a:ext cx="4128380" cy="3076437"/>
-          </a:xfrm>
-          <a:prstGeom prst="rect">
-            <a:avLst/>
-          </a:prstGeom>
-        </p:spPr>
-      </p:pic>
-      <p:sp>
-        <p:nvSpPr>
-          <p:cNvPr id="6" name=""/>
-          <p:cNvSpPr/>
-          <p:nvPr/>
-        </p:nvSpPr>
-        <p:spPr>
-          <a:xfrm>
-            <a:off x="10760227" y="1822449"/>
-            <a:ext cx="861785" cy="2403928"/>
-          </a:xfrm>
-          <a:prstGeom prst="rect">
-            <a:avLst/>
-          </a:prstGeom>
-          <a:noFill/>
-          <a:ln>
-            <a:solidFill>
-              <a:schemeClr val="accent4"/>
-            </a:solidFill>
-          </a:ln>
-        </p:spPr>
-        <p:style>
-          <a:lnRef idx="2">
-            <a:schemeClr val="accent1">
-              <a:shade val="20000"/>
-            </a:schemeClr>
-          </a:lnRef>
-          <a:fillRef idx="1">
-            <a:schemeClr val="accent1"/>
-          </a:fillRef>
-          <a:effectRef idx="0">
-            <a:schemeClr val="accent1"/>
-          </a:effectRef>
-          <a:fontRef idx="minor">
-            <a:schemeClr val="lt1"/>
-          </a:fontRef>
-        </p:style>
-        <p:txBody>
-          <a:bodyPr anchor="ctr"/>
-          <a:p>
-            <a:pPr algn="ctr">
-              <a:defRPr/>
-            </a:pPr>
-            <a:endParaRPr lang="ko-KR" altLang="en-US"/>
-          </a:p>
-        </p:txBody>
-      </p:sp>
-      <p:sp>
-        <p:nvSpPr>
-          <p:cNvPr id="7" name=""/>
-          <p:cNvSpPr/>
-          <p:nvPr/>
-        </p:nvSpPr>
-        <p:spPr>
-          <a:xfrm>
-            <a:off x="10760228" y="4247999"/>
-            <a:ext cx="861785" cy="468690"/>
-          </a:xfrm>
-          <a:prstGeom prst="rect">
-            <a:avLst/>
-          </a:prstGeom>
-          <a:noFill/>
-          <a:ln>
-            <a:solidFill>
-              <a:srgbClr val="69d8ad"/>
-            </a:solidFill>
-          </a:ln>
-        </p:spPr>
-        <p:style>
-          <a:lnRef idx="2">
-            <a:schemeClr val="accent1">
-              <a:shade val="20000"/>
-            </a:schemeClr>
-          </a:lnRef>
-          <a:fillRef idx="1">
-            <a:schemeClr val="accent1"/>
-          </a:fillRef>
-          <a:effectRef idx="0">
-            <a:schemeClr val="accent1"/>
-          </a:effectRef>
-          <a:fontRef idx="minor">
-            <a:schemeClr val="lt1"/>
-          </a:fontRef>
-        </p:style>
-        <p:txBody>
-          <a:bodyPr anchor="ctr"/>
-          <a:p>
-            <a:pPr algn="ctr">
-              <a:defRPr/>
-            </a:pPr>
-            <a:endParaRPr lang="ko-KR" altLang="en-US">
-              <a:solidFill>
-                <a:srgbClr val="1e7452"/>
-              </a:solidFill>
-            </a:endParaRPr>
-          </a:p>
-        </p:txBody>
-      </p:sp>
-      <p:sp>
-        <p:nvSpPr>
-          <p:cNvPr id="8" name=""/>
-          <p:cNvSpPr/>
-          <p:nvPr/>
-        </p:nvSpPr>
-        <p:spPr>
-          <a:xfrm>
-            <a:off x="7901671" y="4247999"/>
-            <a:ext cx="2842380" cy="468690"/>
-          </a:xfrm>
-          <a:prstGeom prst="rect">
-            <a:avLst/>
-          </a:prstGeom>
-          <a:noFill/>
-          <a:ln>
-            <a:solidFill>
-              <a:schemeClr val="accent5"/>
-            </a:solidFill>
-          </a:ln>
-        </p:spPr>
-        <p:style>
-          <a:lnRef idx="2">
-            <a:schemeClr val="accent1">
-              <a:shade val="20000"/>
-            </a:schemeClr>
-          </a:lnRef>
-          <a:fillRef idx="1">
-            <a:schemeClr val="accent1"/>
-          </a:fillRef>
-          <a:effectRef idx="0">
-            <a:schemeClr val="accent1"/>
-          </a:effectRef>
-          <a:fontRef idx="minor">
-            <a:schemeClr val="lt1"/>
-          </a:fontRef>
-        </p:style>
-        <p:txBody>
-          <a:bodyPr anchor="ctr"/>
-          <a:p>
-            <a:pPr algn="ctr">
-              <a:defRPr/>
-            </a:pPr>
-            <a:endParaRPr lang="ko-KR" altLang="en-US"/>
-          </a:p>
-        </p:txBody>
-      </p:sp>
-      <p:sp>
-        <p:nvSpPr>
-          <p:cNvPr id="10" name=""/>
-          <p:cNvSpPr txBox="1"/>
-          <p:nvPr/>
-        </p:nvSpPr>
-        <p:spPr>
-          <a:xfrm>
-            <a:off x="7932961" y="1266975"/>
-            <a:ext cx="3693254" cy="359895"/>
-          </a:xfrm>
-          <a:prstGeom prst="rect">
-            <a:avLst/>
-          </a:prstGeom>
-        </p:spPr>
-        <p:txBody>
-          <a:bodyPr wrap="none">
-            <a:spAutoFit/>
-          </a:bodyPr>
-          <a:p>
-            <a:pPr>
-              <a:defRPr/>
-            </a:pPr>
-            <a:r>
-              <a:rPr lang="ko-KR" altLang="en-US"/>
-              <a:t>행의 값들이 차례대로 끝에 저장</a:t>
-            </a:r>
-            <a:endParaRPr lang="ko-KR" altLang="en-US"/>
-          </a:p>
-        </p:txBody>
-      </p:sp>
-      <p:sp>
-        <p:nvSpPr>
-          <p:cNvPr id="11" name=""/>
-          <p:cNvSpPr txBox="1"/>
-          <p:nvPr/>
-        </p:nvSpPr>
-        <p:spPr>
-          <a:xfrm>
-            <a:off x="8220221" y="5318880"/>
-            <a:ext cx="3567919" cy="367001"/>
-          </a:xfrm>
-          <a:prstGeom prst="rect">
-            <a:avLst/>
-          </a:prstGeom>
-        </p:spPr>
-        <p:txBody>
-          <a:bodyPr wrap="none">
-            <a:spAutoFit/>
-          </a:bodyPr>
-          <a:p>
-            <a:pPr>
-              <a:defRPr/>
-            </a:pPr>
-            <a:r>
-              <a:rPr lang="ko-KR" altLang="en-US">
-                <a:solidFill>
-                  <a:srgbClr val="69d8ad"/>
-                </a:solidFill>
-              </a:rPr>
-              <a:t>모든값들이 차례대로 끝에 저장</a:t>
-            </a:r>
-            <a:endParaRPr lang="ko-KR" altLang="en-US">
-              <a:solidFill>
-                <a:srgbClr val="69d8ad"/>
-              </a:solidFill>
-            </a:endParaRPr>
-          </a:p>
-        </p:txBody>
-      </p:sp>
-      <p:sp>
-        <p:nvSpPr>
-          <p:cNvPr id="12" name=""/>
-          <p:cNvSpPr txBox="1"/>
-          <p:nvPr/>
-        </p:nvSpPr>
-        <p:spPr>
-          <a:xfrm>
-            <a:off x="6799030" y="4804832"/>
-            <a:ext cx="3693709" cy="367001"/>
-          </a:xfrm>
-          <a:prstGeom prst="rect">
-            <a:avLst/>
-          </a:prstGeom>
-        </p:spPr>
-        <p:txBody>
-          <a:bodyPr wrap="none">
-            <a:spAutoFit/>
-          </a:bodyPr>
-          <a:p>
-            <a:pPr>
-              <a:defRPr/>
-            </a:pPr>
-            <a:r>
-              <a:rPr lang="ko-KR" altLang="en-US">
-                <a:solidFill>
-                  <a:schemeClr val="accent1"/>
-                </a:solidFill>
-              </a:rPr>
-              <a:t>열의 값들이 차례대로 끝에 저장</a:t>
-            </a:r>
-            <a:endParaRPr lang="ko-KR" altLang="en-US">
-              <a:solidFill>
-                <a:schemeClr val="accent1"/>
-              </a:solidFill>
-            </a:endParaRPr>
-          </a:p>
-        </p:txBody>
-      </p:sp>
-    </p:spTree>
-  </p:cSld>
-  <p:clrMapOvr>
-    <a:masterClrMapping/>
-  </p:clrMapOvr>
-  <mc:AlternateContent xmlns:mc="http://schemas.openxmlformats.org/markup-compatibility/2006">
-    <mc:Choice xmlns:p14="http://schemas.microsoft.com/office/powerpoint/2010/main" Requires="p14">
-      <p:transition xmlns:mc="http://schemas.openxmlformats.org/markup-compatibility/2006" xmlns:p14="http://schemas.microsoft.com/office/powerpoint/2010/main" mc:Ignorable="p14" p14:dur="500"/>
-    </mc:Choice>
-    <mc:Fallback>
-      <p:transition/>
-    </mc:Fallback>
-  </mc:AlternateContent>
-</p:sld>
-</file>
-
 <file path=ppt/slides/slide14.xml><?xml version="1.0" encoding="utf-8"?>
 <p:sld xmlns:r="http://schemas.openxmlformats.org/officeDocument/2006/relationships" xmlns:c="http://schemas.openxmlformats.org/drawingml/2006/chart" xmlns:a="http://schemas.openxmlformats.org/drawingml/2006/main" xmlns:dgm="http://schemas.openxmlformats.org/drawingml/2006/diagram" xmlns:dsp="http://schemas.microsoft.com/office/drawing/2008/diagram" xmlns:p="http://schemas.openxmlformats.org/presentationml/2006/main">
   <p:cSld>
@@ -6004,9 +7050,311 @@
             </a:pPr>
             <a:r>
               <a:rPr lang="en-US" altLang="ko-KR"/>
-              <a:t>5-12</a:t>
+              <a:t>5-11</a:t>
             </a:r>
             <a:endParaRPr lang="en-US" altLang="ko-KR"/>
+          </a:p>
+        </p:txBody>
+      </p:sp>
+      <p:pic>
+        <p:nvPicPr>
+          <p:cNvPr id="3" name=""/>
+          <p:cNvPicPr>
+            <a:picLocks noChangeAspect="1"/>
+          </p:cNvPicPr>
+          <p:nvPr/>
+        </p:nvPicPr>
+        <p:blipFill rotWithShape="1">
+          <a:blip r:embed="rId2"/>
+          <a:stretch>
+            <a:fillRect/>
+          </a:stretch>
+        </p:blipFill>
+        <p:spPr>
+          <a:xfrm>
+            <a:off x="422772" y="1587927"/>
+            <a:ext cx="7143360" cy="3682144"/>
+          </a:xfrm>
+          <a:prstGeom prst="rect">
+            <a:avLst/>
+          </a:prstGeom>
+        </p:spPr>
+      </p:pic>
+      <p:pic>
+        <p:nvPicPr>
+          <p:cNvPr id="4" name=""/>
+          <p:cNvPicPr>
+            <a:picLocks noChangeAspect="1"/>
+          </p:cNvPicPr>
+          <p:nvPr/>
+        </p:nvPicPr>
+        <p:blipFill rotWithShape="1">
+          <a:blip r:embed="rId3"/>
+          <a:stretch>
+            <a:fillRect/>
+          </a:stretch>
+        </p:blipFill>
+        <p:spPr>
+          <a:xfrm>
+            <a:off x="7705738" y="1890781"/>
+            <a:ext cx="4128380" cy="3076437"/>
+          </a:xfrm>
+          <a:prstGeom prst="rect">
+            <a:avLst/>
+          </a:prstGeom>
+        </p:spPr>
+      </p:pic>
+      <p:sp>
+        <p:nvSpPr>
+          <p:cNvPr id="6" name=""/>
+          <p:cNvSpPr/>
+          <p:nvPr/>
+        </p:nvSpPr>
+        <p:spPr>
+          <a:xfrm>
+            <a:off x="10760227" y="1822449"/>
+            <a:ext cx="861785" cy="2403928"/>
+          </a:xfrm>
+          <a:prstGeom prst="rect">
+            <a:avLst/>
+          </a:prstGeom>
+          <a:noFill/>
+          <a:ln>
+            <a:solidFill>
+              <a:schemeClr val="accent4"/>
+            </a:solidFill>
+          </a:ln>
+        </p:spPr>
+        <p:style>
+          <a:lnRef idx="2">
+            <a:schemeClr val="accent1">
+              <a:shade val="20000"/>
+            </a:schemeClr>
+          </a:lnRef>
+          <a:fillRef idx="1">
+            <a:schemeClr val="accent1"/>
+          </a:fillRef>
+          <a:effectRef idx="0">
+            <a:schemeClr val="accent1"/>
+          </a:effectRef>
+          <a:fontRef idx="minor">
+            <a:schemeClr val="lt1"/>
+          </a:fontRef>
+        </p:style>
+        <p:txBody>
+          <a:bodyPr anchor="ctr"/>
+          <a:p>
+            <a:pPr algn="ctr">
+              <a:defRPr/>
+            </a:pPr>
+            <a:endParaRPr lang="ko-KR" altLang="en-US"/>
+          </a:p>
+        </p:txBody>
+      </p:sp>
+      <p:sp>
+        <p:nvSpPr>
+          <p:cNvPr id="7" name=""/>
+          <p:cNvSpPr/>
+          <p:nvPr/>
+        </p:nvSpPr>
+        <p:spPr>
+          <a:xfrm>
+            <a:off x="10760228" y="4247999"/>
+            <a:ext cx="861785" cy="468690"/>
+          </a:xfrm>
+          <a:prstGeom prst="rect">
+            <a:avLst/>
+          </a:prstGeom>
+          <a:noFill/>
+          <a:ln>
+            <a:solidFill>
+              <a:srgbClr val="69d8ad"/>
+            </a:solidFill>
+          </a:ln>
+        </p:spPr>
+        <p:style>
+          <a:lnRef idx="2">
+            <a:schemeClr val="accent1">
+              <a:shade val="20000"/>
+            </a:schemeClr>
+          </a:lnRef>
+          <a:fillRef idx="1">
+            <a:schemeClr val="accent1"/>
+          </a:fillRef>
+          <a:effectRef idx="0">
+            <a:schemeClr val="accent1"/>
+          </a:effectRef>
+          <a:fontRef idx="minor">
+            <a:schemeClr val="lt1"/>
+          </a:fontRef>
+        </p:style>
+        <p:txBody>
+          <a:bodyPr anchor="ctr"/>
+          <a:p>
+            <a:pPr algn="ctr">
+              <a:defRPr/>
+            </a:pPr>
+            <a:endParaRPr lang="ko-KR" altLang="en-US">
+              <a:solidFill>
+                <a:srgbClr val="1e7452"/>
+              </a:solidFill>
+            </a:endParaRPr>
+          </a:p>
+        </p:txBody>
+      </p:sp>
+      <p:sp>
+        <p:nvSpPr>
+          <p:cNvPr id="8" name=""/>
+          <p:cNvSpPr/>
+          <p:nvPr/>
+        </p:nvSpPr>
+        <p:spPr>
+          <a:xfrm>
+            <a:off x="7892146" y="4247999"/>
+            <a:ext cx="2842380" cy="468690"/>
+          </a:xfrm>
+          <a:prstGeom prst="rect">
+            <a:avLst/>
+          </a:prstGeom>
+          <a:noFill/>
+          <a:ln>
+            <a:solidFill>
+              <a:schemeClr val="accent5"/>
+            </a:solidFill>
+          </a:ln>
+        </p:spPr>
+        <p:style>
+          <a:lnRef idx="2">
+            <a:schemeClr val="accent1">
+              <a:shade val="20000"/>
+            </a:schemeClr>
+          </a:lnRef>
+          <a:fillRef idx="1">
+            <a:schemeClr val="accent1"/>
+          </a:fillRef>
+          <a:effectRef idx="0">
+            <a:schemeClr val="accent1"/>
+          </a:effectRef>
+          <a:fontRef idx="minor">
+            <a:schemeClr val="lt1"/>
+          </a:fontRef>
+        </p:style>
+        <p:txBody>
+          <a:bodyPr anchor="ctr"/>
+          <a:p>
+            <a:pPr algn="ctr">
+              <a:defRPr/>
+            </a:pPr>
+            <a:endParaRPr lang="ko-KR" altLang="en-US"/>
+          </a:p>
+        </p:txBody>
+      </p:sp>
+      <p:sp>
+        <p:nvSpPr>
+          <p:cNvPr id="10" name=""/>
+          <p:cNvSpPr txBox="1"/>
+          <p:nvPr/>
+        </p:nvSpPr>
+        <p:spPr>
+          <a:xfrm>
+            <a:off x="7932961" y="1266975"/>
+            <a:ext cx="3693254" cy="359895"/>
+          </a:xfrm>
+          <a:prstGeom prst="rect">
+            <a:avLst/>
+          </a:prstGeom>
+        </p:spPr>
+        <p:txBody>
+          <a:bodyPr wrap="none">
+            <a:spAutoFit/>
+          </a:bodyPr>
+          <a:p>
+            <a:pPr>
+              <a:defRPr/>
+            </a:pPr>
+            <a:r>
+              <a:rPr lang="ko-KR" altLang="en-US"/>
+              <a:t>행의 값들이 차례대로 끝에 저장</a:t>
+            </a:r>
+            <a:endParaRPr lang="ko-KR" altLang="en-US"/>
+          </a:p>
+        </p:txBody>
+      </p:sp>
+      <p:sp>
+        <p:nvSpPr>
+          <p:cNvPr id="11" name=""/>
+          <p:cNvSpPr txBox="1"/>
+          <p:nvPr/>
+        </p:nvSpPr>
+        <p:spPr>
+          <a:xfrm>
+            <a:off x="8220221" y="5318880"/>
+            <a:ext cx="3567919" cy="367001"/>
+          </a:xfrm>
+          <a:prstGeom prst="rect">
+            <a:avLst/>
+          </a:prstGeom>
+        </p:spPr>
+        <p:txBody>
+          <a:bodyPr wrap="none">
+            <a:spAutoFit/>
+          </a:bodyPr>
+          <a:p>
+            <a:pPr>
+              <a:defRPr/>
+            </a:pPr>
+            <a:r>
+              <a:rPr lang="ko-KR" altLang="en-US">
+                <a:solidFill>
+                  <a:srgbClr val="69d8ad"/>
+                </a:solidFill>
+              </a:rPr>
+              <a:t>모든값들이 차례대로 끝에 저장</a:t>
+            </a:r>
+            <a:endParaRPr lang="ko-KR" altLang="en-US">
+              <a:solidFill>
+                <a:srgbClr val="69d8ad"/>
+              </a:solidFill>
+            </a:endParaRPr>
+          </a:p>
+        </p:txBody>
+      </p:sp>
+      <p:sp>
+        <p:nvSpPr>
+          <p:cNvPr id="12" name=""/>
+          <p:cNvSpPr txBox="1"/>
+          <p:nvPr/>
+        </p:nvSpPr>
+        <p:spPr>
+          <a:xfrm>
+            <a:off x="6799030" y="4804832"/>
+            <a:ext cx="3693709" cy="367001"/>
+          </a:xfrm>
+          <a:prstGeom prst="rect">
+            <a:avLst/>
+          </a:prstGeom>
+        </p:spPr>
+        <p:txBody>
+          <a:bodyPr wrap="none">
+            <a:spAutoFit/>
+          </a:bodyPr>
+          <a:p>
+            <a:pPr>
+              <a:defRPr/>
+            </a:pPr>
+            <a:r>
+              <a:rPr lang="ko-KR" altLang="en-US">
+                <a:solidFill>
+                  <a:schemeClr val="accent1"/>
+                </a:solidFill>
+              </a:rPr>
+              <a:t>열의 값들이 차례대로 끝에 저장</a:t>
+            </a:r>
+            <a:endParaRPr lang="ko-KR" altLang="en-US">
+              <a:solidFill>
+                <a:schemeClr val="accent1"/>
+              </a:solidFill>
+            </a:endParaRPr>
           </a:p>
         </p:txBody>
       </p:sp>
@@ -6027,6 +7375,65 @@
 </file>
 
 <file path=ppt/slides/slide15.xml><?xml version="1.0" encoding="utf-8"?>
+<p:sld xmlns:r="http://schemas.openxmlformats.org/officeDocument/2006/relationships" xmlns:c="http://schemas.openxmlformats.org/drawingml/2006/chart" xmlns:a="http://schemas.openxmlformats.org/drawingml/2006/main" xmlns:dgm="http://schemas.openxmlformats.org/drawingml/2006/diagram" xmlns:dsp="http://schemas.microsoft.com/office/drawing/2008/diagram" xmlns:p="http://schemas.openxmlformats.org/presentationml/2006/main">
+  <p:cSld>
+    <p:spTree>
+      <p:nvGrpSpPr>
+        <p:cNvPr id="1" name=""/>
+        <p:cNvGrpSpPr/>
+        <p:nvPr/>
+      </p:nvGrpSpPr>
+      <p:grpSpPr>
+        <a:xfrm>
+          <a:off x="0" y="0"/>
+          <a:ext cx="0" cy="0"/>
+          <a:chOff x="0" y="0"/>
+          <a:chExt cx="0" cy="0"/>
+        </a:xfrm>
+      </p:grpSpPr>
+      <p:sp>
+        <p:nvSpPr>
+          <p:cNvPr id="2" name="제목 1"/>
+          <p:cNvSpPr>
+            <a:spLocks noGrp="1"/>
+          </p:cNvSpPr>
+          <p:nvPr>
+            <p:ph type="title" idx="0"/>
+          </p:nvPr>
+        </p:nvSpPr>
+        <p:spPr/>
+        <p:txBody>
+          <a:bodyPr/>
+          <a:lstStyle/>
+          <a:p>
+            <a:pPr>
+              <a:defRPr/>
+            </a:pPr>
+            <a:r>
+              <a:rPr lang="en-US" altLang="ko-KR"/>
+              <a:t>5-12</a:t>
+            </a:r>
+            <a:endParaRPr lang="en-US" altLang="ko-KR"/>
+          </a:p>
+        </p:txBody>
+      </p:sp>
+    </p:spTree>
+  </p:cSld>
+  <p:clrMapOvr>
+    <a:masterClrMapping/>
+  </p:clrMapOvr>
+  <mc:AlternateContent xmlns:mc="http://schemas.openxmlformats.org/markup-compatibility/2006">
+    <mc:Choice xmlns:p14="http://schemas.microsoft.com/office/powerpoint/2010/main" Requires="p14">
+      <p:transition xmlns:mc="http://schemas.openxmlformats.org/markup-compatibility/2006" xmlns:p14="http://schemas.microsoft.com/office/powerpoint/2010/main" mc:Ignorable="p14" p14:dur="500"/>
+    </mc:Choice>
+    <mc:Fallback>
+      <p:transition/>
+    </mc:Fallback>
+  </mc:AlternateContent>
+</p:sld>
+</file>
+
+<file path=ppt/slides/slide16.xml><?xml version="1.0" encoding="utf-8"?>
 <p:sld xmlns:r="http://schemas.openxmlformats.org/officeDocument/2006/relationships" xmlns:c="http://schemas.openxmlformats.org/drawingml/2006/chart" xmlns:a="http://schemas.openxmlformats.org/drawingml/2006/main" xmlns:dgm="http://schemas.openxmlformats.org/drawingml/2006/diagram" xmlns:dsp="http://schemas.microsoft.com/office/drawing/2008/diagram" xmlns:p="http://schemas.openxmlformats.org/presentationml/2006/main">
   <p:cSld>
     <p:spTree>
